--- a/ilcinocaml/docs/paper/figures/real-setup.pptx
+++ b/ilcinocaml/docs/paper/figures/real-setup.pptx
@@ -104,6 +104,11 @@
       </a:defRPr>
     </a:lvl9pPr>
   </p:defaultTextStyle>
+  <p:extLst>
+    <p:ext uri="{EFAFB233-063F-42B5-8137-9DF3F51BA10A}">
+      <p15:sldGuideLst xmlns:p15="http://schemas.microsoft.com/office/powerpoint/2012/main"/>
+    </p:ext>
+  </p:extLst>
 </p:presentation>
 </file>
 
@@ -2964,455 +2969,236 @@
           <a:chExt cx="0" cy="0"/>
         </a:xfrm>
       </p:grpSpPr>
-      <p:grpSp>
-        <p:nvGrpSpPr>
-          <p:cNvPr id="16" name="Group 15"/>
-          <p:cNvGrpSpPr/>
+      <p:sp>
+        <p:nvSpPr>
+          <p:cNvPr id="4" name="Rectangle 3"/>
+          <p:cNvSpPr/>
           <p:nvPr/>
-        </p:nvGrpSpPr>
-        <p:grpSpPr>
+        </p:nvSpPr>
+        <p:spPr>
           <a:xfrm>
-            <a:off x="3383638" y="740224"/>
+            <a:off x="3395995" y="1110925"/>
             <a:ext cx="1099457" cy="1099457"/>
-            <a:chOff x="3222170" y="1077684"/>
-            <a:chExt cx="1099457" cy="1099457"/>
-          </a:xfrm>
-        </p:grpSpPr>
-        <p:sp>
-          <p:nvSpPr>
-            <p:cNvPr id="4" name="Rectangle 3"/>
-            <p:cNvSpPr/>
-            <p:nvPr/>
-          </p:nvSpPr>
-          <p:spPr>
-            <a:xfrm>
-              <a:off x="3222170" y="1077684"/>
-              <a:ext cx="1099457" cy="1099457"/>
-            </a:xfrm>
-            <a:prstGeom prst="rect">
-              <a:avLst/>
-            </a:prstGeom>
-            <a:noFill/>
-            <a:ln w="19050">
-              <a:solidFill>
-                <a:schemeClr val="tx1"/>
-              </a:solidFill>
-            </a:ln>
-          </p:spPr>
-          <p:style>
-            <a:lnRef idx="2">
-              <a:schemeClr val="accent1">
-                <a:shade val="50000"/>
-              </a:schemeClr>
-            </a:lnRef>
-            <a:fillRef idx="1">
-              <a:schemeClr val="accent1"/>
-            </a:fillRef>
-            <a:effectRef idx="0">
-              <a:schemeClr val="accent1"/>
-            </a:effectRef>
-            <a:fontRef idx="minor">
-              <a:schemeClr val="lt1"/>
-            </a:fontRef>
-          </p:style>
-          <p:txBody>
-            <a:bodyPr rtlCol="0" anchor="ctr"/>
-            <a:lstStyle/>
-            <a:p>
-              <a:pPr algn="ctr"/>
-              <a:endParaRPr lang="en-US"/>
-            </a:p>
-          </p:txBody>
-        </p:sp>
-        <p:pic>
-          <p:nvPicPr>
-            <p:cNvPr id="7" name="Picture 6"/>
-            <p:cNvPicPr>
-              <a:picLocks noChangeAspect="1"/>
-            </p:cNvPicPr>
-            <p:nvPr/>
-          </p:nvPicPr>
-          <p:blipFill>
-            <a:blip r:embed="rId2"/>
-            <a:stretch>
-              <a:fillRect/>
-            </a:stretch>
-          </p:blipFill>
-          <p:spPr>
-            <a:xfrm>
-              <a:off x="3441698" y="1322612"/>
-              <a:ext cx="660400" cy="609600"/>
-            </a:xfrm>
-            <a:prstGeom prst="rect">
-              <a:avLst/>
-            </a:prstGeom>
-          </p:spPr>
-        </p:pic>
-      </p:grpSp>
-      <p:grpSp>
-        <p:nvGrpSpPr>
-          <p:cNvPr id="17" name="Group 16"/>
-          <p:cNvGrpSpPr/>
-          <p:nvPr/>
-        </p:nvGrpSpPr>
-        <p:grpSpPr>
-          <a:xfrm>
-            <a:off x="1624689" y="2514596"/>
-            <a:ext cx="1099457" cy="1099457"/>
-            <a:chOff x="5910942" y="2710541"/>
-            <a:chExt cx="1099457" cy="1099457"/>
-          </a:xfrm>
-        </p:grpSpPr>
-        <p:sp>
-          <p:nvSpPr>
-            <p:cNvPr id="8" name="Rectangle 7"/>
-            <p:cNvSpPr/>
-            <p:nvPr/>
-          </p:nvSpPr>
-          <p:spPr>
-            <a:xfrm>
-              <a:off x="5910942" y="2710541"/>
-              <a:ext cx="1099457" cy="1099457"/>
-            </a:xfrm>
-            <a:prstGeom prst="rect">
-              <a:avLst/>
-            </a:prstGeom>
-            <a:noFill/>
-            <a:ln w="19050">
-              <a:solidFill>
-                <a:schemeClr val="tx1"/>
-              </a:solidFill>
-            </a:ln>
-          </p:spPr>
-          <p:style>
-            <a:lnRef idx="2">
-              <a:schemeClr val="accent1">
-                <a:shade val="50000"/>
-              </a:schemeClr>
-            </a:lnRef>
-            <a:fillRef idx="1">
-              <a:schemeClr val="accent1"/>
-            </a:fillRef>
-            <a:effectRef idx="0">
-              <a:schemeClr val="accent1"/>
-            </a:effectRef>
-            <a:fontRef idx="minor">
-              <a:schemeClr val="lt1"/>
-            </a:fontRef>
-          </p:style>
-          <p:txBody>
-            <a:bodyPr rtlCol="0" anchor="ctr"/>
-            <a:lstStyle/>
-            <a:p>
-              <a:pPr algn="ctr"/>
-              <a:endParaRPr lang="en-US"/>
-            </a:p>
-          </p:txBody>
-        </p:sp>
-        <p:pic>
-          <p:nvPicPr>
-            <p:cNvPr id="9" name="Picture 8"/>
-            <p:cNvPicPr>
-              <a:picLocks noChangeAspect="1"/>
-            </p:cNvPicPr>
-            <p:nvPr/>
-          </p:nvPicPr>
-          <p:blipFill>
-            <a:blip r:embed="rId3"/>
-            <a:stretch>
-              <a:fillRect/>
-            </a:stretch>
-          </p:blipFill>
-          <p:spPr>
-            <a:xfrm>
-              <a:off x="6111420" y="2911019"/>
-              <a:ext cx="698500" cy="698500"/>
-            </a:xfrm>
-            <a:prstGeom prst="rect">
-              <a:avLst/>
-            </a:prstGeom>
-          </p:spPr>
-        </p:pic>
-      </p:grpSp>
-      <p:grpSp>
-        <p:nvGrpSpPr>
-          <p:cNvPr id="18" name="Group 17"/>
-          <p:cNvGrpSpPr/>
-          <p:nvPr/>
-        </p:nvGrpSpPr>
-        <p:grpSpPr>
-          <a:xfrm>
-            <a:off x="5136239" y="2514596"/>
-            <a:ext cx="1099457" cy="1099457"/>
-            <a:chOff x="7739742" y="2819398"/>
-            <a:chExt cx="1099457" cy="1099457"/>
-          </a:xfrm>
-        </p:grpSpPr>
-        <p:sp>
-          <p:nvSpPr>
-            <p:cNvPr id="10" name="Rectangle 9"/>
-            <p:cNvSpPr/>
-            <p:nvPr/>
-          </p:nvSpPr>
-          <p:spPr>
-            <a:xfrm>
-              <a:off x="7739742" y="2819398"/>
-              <a:ext cx="1099457" cy="1099457"/>
-            </a:xfrm>
-            <a:prstGeom prst="rect">
-              <a:avLst/>
-            </a:prstGeom>
-            <a:noFill/>
-            <a:ln w="19050">
-              <a:solidFill>
-                <a:schemeClr val="tx1"/>
-              </a:solidFill>
-            </a:ln>
-          </p:spPr>
-          <p:style>
-            <a:lnRef idx="2">
-              <a:schemeClr val="accent1">
-                <a:shade val="50000"/>
-              </a:schemeClr>
-            </a:lnRef>
-            <a:fillRef idx="1">
-              <a:schemeClr val="accent1"/>
-            </a:fillRef>
-            <a:effectRef idx="0">
-              <a:schemeClr val="accent1"/>
-            </a:effectRef>
-            <a:fontRef idx="minor">
-              <a:schemeClr val="lt1"/>
-            </a:fontRef>
-          </p:style>
-          <p:txBody>
-            <a:bodyPr rtlCol="0" anchor="ctr"/>
-            <a:lstStyle/>
-            <a:p>
-              <a:pPr algn="ctr"/>
-              <a:endParaRPr lang="en-US"/>
-            </a:p>
-          </p:txBody>
-        </p:sp>
-        <p:pic>
-          <p:nvPicPr>
-            <p:cNvPr id="11" name="Picture 10"/>
-            <p:cNvPicPr>
-              <a:picLocks noChangeAspect="1"/>
-            </p:cNvPicPr>
-            <p:nvPr/>
-          </p:nvPicPr>
-          <p:blipFill>
-            <a:blip r:embed="rId4"/>
-            <a:stretch>
-              <a:fillRect/>
-            </a:stretch>
-          </p:blipFill>
-          <p:spPr>
-            <a:xfrm>
-              <a:off x="7895769" y="3102426"/>
-              <a:ext cx="787400" cy="533400"/>
-            </a:xfrm>
-            <a:prstGeom prst="rect">
-              <a:avLst/>
-            </a:prstGeom>
-          </p:spPr>
-        </p:pic>
-      </p:grpSp>
-      <p:grpSp>
-        <p:nvGrpSpPr>
-          <p:cNvPr id="19" name="Group 18"/>
-          <p:cNvGrpSpPr/>
-          <p:nvPr/>
-        </p:nvGrpSpPr>
-        <p:grpSpPr>
-          <a:xfrm>
-            <a:off x="6888840" y="2514596"/>
-            <a:ext cx="1099457" cy="1099457"/>
-            <a:chOff x="7739741" y="4201883"/>
-            <a:chExt cx="1099457" cy="1099457"/>
-          </a:xfrm>
-        </p:grpSpPr>
-        <p:sp>
-          <p:nvSpPr>
-            <p:cNvPr id="12" name="Rectangle 11"/>
-            <p:cNvSpPr/>
-            <p:nvPr/>
-          </p:nvSpPr>
-          <p:spPr>
-            <a:xfrm>
-              <a:off x="7739741" y="4201883"/>
-              <a:ext cx="1099457" cy="1099457"/>
-            </a:xfrm>
-            <a:prstGeom prst="rect">
-              <a:avLst/>
-            </a:prstGeom>
-            <a:noFill/>
-            <a:ln w="19050">
-              <a:solidFill>
-                <a:schemeClr val="tx1"/>
-              </a:solidFill>
-            </a:ln>
-          </p:spPr>
-          <p:style>
-            <a:lnRef idx="2">
-              <a:schemeClr val="accent1">
-                <a:shade val="50000"/>
-              </a:schemeClr>
-            </a:lnRef>
-            <a:fillRef idx="1">
-              <a:schemeClr val="accent1"/>
-            </a:fillRef>
-            <a:effectRef idx="0">
-              <a:schemeClr val="accent1"/>
-            </a:effectRef>
-            <a:fontRef idx="minor">
-              <a:schemeClr val="lt1"/>
-            </a:fontRef>
-          </p:style>
-          <p:txBody>
-            <a:bodyPr rtlCol="0" anchor="ctr"/>
-            <a:lstStyle/>
-            <a:p>
-              <a:pPr algn="ctr"/>
-              <a:endParaRPr lang="en-US"/>
-            </a:p>
-          </p:txBody>
-        </p:sp>
-        <p:pic>
-          <p:nvPicPr>
-            <p:cNvPr id="13" name="Picture 12"/>
-            <p:cNvPicPr>
-              <a:picLocks noChangeAspect="1"/>
-            </p:cNvPicPr>
-            <p:nvPr/>
-          </p:nvPicPr>
-          <p:blipFill>
-            <a:blip r:embed="rId5"/>
-            <a:stretch>
-              <a:fillRect/>
-            </a:stretch>
-          </p:blipFill>
-          <p:spPr>
-            <a:xfrm>
-              <a:off x="7883069" y="4484911"/>
-              <a:ext cx="812800" cy="533400"/>
-            </a:xfrm>
-            <a:prstGeom prst="rect">
-              <a:avLst/>
-            </a:prstGeom>
-          </p:spPr>
-        </p:pic>
-      </p:grpSp>
-      <p:grpSp>
-        <p:nvGrpSpPr>
-          <p:cNvPr id="20" name="Group 19"/>
-          <p:cNvGrpSpPr/>
-          <p:nvPr/>
-        </p:nvGrpSpPr>
-        <p:grpSpPr>
-          <a:xfrm>
-            <a:off x="9505025" y="2514596"/>
-            <a:ext cx="1099457" cy="1099457"/>
-            <a:chOff x="9884226" y="3935182"/>
-            <a:chExt cx="1099457" cy="1099457"/>
-          </a:xfrm>
-        </p:grpSpPr>
-        <p:sp>
-          <p:nvSpPr>
-            <p:cNvPr id="14" name="Rectangle 13"/>
-            <p:cNvSpPr/>
-            <p:nvPr/>
-          </p:nvSpPr>
-          <p:spPr>
-            <a:xfrm>
-              <a:off x="9884226" y="3935182"/>
-              <a:ext cx="1099457" cy="1099457"/>
-            </a:xfrm>
-            <a:prstGeom prst="rect">
-              <a:avLst/>
-            </a:prstGeom>
-            <a:noFill/>
-            <a:ln w="19050">
-              <a:solidFill>
-                <a:schemeClr val="tx1"/>
-              </a:solidFill>
-            </a:ln>
-          </p:spPr>
-          <p:style>
-            <a:lnRef idx="2">
-              <a:schemeClr val="accent1">
-                <a:shade val="50000"/>
-              </a:schemeClr>
-            </a:lnRef>
-            <a:fillRef idx="1">
-              <a:schemeClr val="accent1"/>
-            </a:fillRef>
-            <a:effectRef idx="0">
-              <a:schemeClr val="accent1"/>
-            </a:effectRef>
-            <a:fontRef idx="minor">
-              <a:schemeClr val="lt1"/>
-            </a:fontRef>
-          </p:style>
-          <p:txBody>
-            <a:bodyPr rtlCol="0" anchor="ctr"/>
-            <a:lstStyle/>
-            <a:p>
-              <a:pPr algn="ctr"/>
-              <a:endParaRPr lang="en-US"/>
-            </a:p>
-          </p:txBody>
-        </p:sp>
-        <p:pic>
-          <p:nvPicPr>
-            <p:cNvPr id="15" name="Picture 14"/>
-            <p:cNvPicPr>
-              <a:picLocks noChangeAspect="1"/>
-            </p:cNvPicPr>
-            <p:nvPr/>
-          </p:nvPicPr>
-          <p:blipFill>
-            <a:blip r:embed="rId6"/>
-            <a:stretch>
-              <a:fillRect/>
-            </a:stretch>
-          </p:blipFill>
-          <p:spPr>
-            <a:xfrm>
-              <a:off x="9983104" y="4218211"/>
-              <a:ext cx="901700" cy="533400"/>
-            </a:xfrm>
-            <a:prstGeom prst="rect">
-              <a:avLst/>
-            </a:prstGeom>
-          </p:spPr>
-        </p:pic>
-      </p:grpSp>
-      <p:pic>
-        <p:nvPicPr>
-          <p:cNvPr id="21" name="Picture 20"/>
-          <p:cNvPicPr>
-            <a:picLocks noChangeAspect="1"/>
-          </p:cNvPicPr>
-          <p:nvPr/>
-        </p:nvPicPr>
-        <p:blipFill>
-          <a:blip r:embed="rId7"/>
-          <a:stretch>
-            <a:fillRect/>
-          </a:stretch>
-        </p:blipFill>
-        <p:spPr>
-          <a:xfrm>
-            <a:off x="8302161" y="3013524"/>
-            <a:ext cx="889000" cy="101600"/>
           </a:xfrm>
           <a:prstGeom prst="rect">
             <a:avLst/>
           </a:prstGeom>
-        </p:spPr>
-      </p:pic>
+          <a:noFill/>
+          <a:ln w="19050">
+            <a:solidFill>
+              <a:schemeClr val="tx1"/>
+            </a:solidFill>
+          </a:ln>
+        </p:spPr>
+        <p:style>
+          <a:lnRef idx="2">
+            <a:schemeClr val="accent1">
+              <a:shade val="50000"/>
+            </a:schemeClr>
+          </a:lnRef>
+          <a:fillRef idx="1">
+            <a:schemeClr val="accent1"/>
+          </a:fillRef>
+          <a:effectRef idx="0">
+            <a:schemeClr val="accent1"/>
+          </a:effectRef>
+          <a:fontRef idx="minor">
+            <a:schemeClr val="lt1"/>
+          </a:fontRef>
+        </p:style>
+        <p:txBody>
+          <a:bodyPr rtlCol="0" anchor="ctr"/>
+          <a:lstStyle/>
+          <a:p>
+            <a:pPr algn="ctr"/>
+            <a:endParaRPr lang="en-US"/>
+          </a:p>
+        </p:txBody>
+      </p:sp>
+      <p:sp>
+        <p:nvSpPr>
+          <p:cNvPr id="8" name="Rectangle 7"/>
+          <p:cNvSpPr/>
+          <p:nvPr/>
+        </p:nvSpPr>
+        <p:spPr>
+          <a:xfrm>
+            <a:off x="1637046" y="2885297"/>
+            <a:ext cx="1099457" cy="1099457"/>
+          </a:xfrm>
+          <a:prstGeom prst="rect">
+            <a:avLst/>
+          </a:prstGeom>
+          <a:noFill/>
+          <a:ln w="19050">
+            <a:solidFill>
+              <a:schemeClr val="tx1"/>
+            </a:solidFill>
+          </a:ln>
+        </p:spPr>
+        <p:style>
+          <a:lnRef idx="2">
+            <a:schemeClr val="accent1">
+              <a:shade val="50000"/>
+            </a:schemeClr>
+          </a:lnRef>
+          <a:fillRef idx="1">
+            <a:schemeClr val="accent1"/>
+          </a:fillRef>
+          <a:effectRef idx="0">
+            <a:schemeClr val="accent1"/>
+          </a:effectRef>
+          <a:fontRef idx="minor">
+            <a:schemeClr val="lt1"/>
+          </a:fontRef>
+        </p:style>
+        <p:txBody>
+          <a:bodyPr rtlCol="0" anchor="ctr"/>
+          <a:lstStyle/>
+          <a:p>
+            <a:pPr algn="ctr"/>
+            <a:endParaRPr lang="en-US"/>
+          </a:p>
+        </p:txBody>
+      </p:sp>
+      <p:sp>
+        <p:nvSpPr>
+          <p:cNvPr id="10" name="Rectangle 9"/>
+          <p:cNvSpPr/>
+          <p:nvPr/>
+        </p:nvSpPr>
+        <p:spPr>
+          <a:xfrm>
+            <a:off x="5148596" y="2885297"/>
+            <a:ext cx="1099457" cy="1099457"/>
+          </a:xfrm>
+          <a:prstGeom prst="rect">
+            <a:avLst/>
+          </a:prstGeom>
+          <a:noFill/>
+          <a:ln w="19050">
+            <a:solidFill>
+              <a:schemeClr val="tx1"/>
+            </a:solidFill>
+          </a:ln>
+        </p:spPr>
+        <p:style>
+          <a:lnRef idx="2">
+            <a:schemeClr val="accent1">
+              <a:shade val="50000"/>
+            </a:schemeClr>
+          </a:lnRef>
+          <a:fillRef idx="1">
+            <a:schemeClr val="accent1"/>
+          </a:fillRef>
+          <a:effectRef idx="0">
+            <a:schemeClr val="accent1"/>
+          </a:effectRef>
+          <a:fontRef idx="minor">
+            <a:schemeClr val="lt1"/>
+          </a:fontRef>
+        </p:style>
+        <p:txBody>
+          <a:bodyPr rtlCol="0" anchor="ctr"/>
+          <a:lstStyle/>
+          <a:p>
+            <a:pPr algn="ctr"/>
+            <a:endParaRPr lang="en-US"/>
+          </a:p>
+        </p:txBody>
+      </p:sp>
+      <p:sp>
+        <p:nvSpPr>
+          <p:cNvPr id="12" name="Rectangle 11"/>
+          <p:cNvSpPr/>
+          <p:nvPr/>
+        </p:nvSpPr>
+        <p:spPr>
+          <a:xfrm>
+            <a:off x="6901197" y="2885297"/>
+            <a:ext cx="1099457" cy="1099457"/>
+          </a:xfrm>
+          <a:prstGeom prst="rect">
+            <a:avLst/>
+          </a:prstGeom>
+          <a:noFill/>
+          <a:ln w="19050">
+            <a:solidFill>
+              <a:schemeClr val="tx1"/>
+            </a:solidFill>
+          </a:ln>
+        </p:spPr>
+        <p:style>
+          <a:lnRef idx="2">
+            <a:schemeClr val="accent1">
+              <a:shade val="50000"/>
+            </a:schemeClr>
+          </a:lnRef>
+          <a:fillRef idx="1">
+            <a:schemeClr val="accent1"/>
+          </a:fillRef>
+          <a:effectRef idx="0">
+            <a:schemeClr val="accent1"/>
+          </a:effectRef>
+          <a:fontRef idx="minor">
+            <a:schemeClr val="lt1"/>
+          </a:fontRef>
+        </p:style>
+        <p:txBody>
+          <a:bodyPr rtlCol="0" anchor="ctr"/>
+          <a:lstStyle/>
+          <a:p>
+            <a:pPr algn="ctr"/>
+            <a:endParaRPr lang="en-US"/>
+          </a:p>
+        </p:txBody>
+      </p:sp>
+      <p:sp>
+        <p:nvSpPr>
+          <p:cNvPr id="14" name="Rectangle 13"/>
+          <p:cNvSpPr/>
+          <p:nvPr/>
+        </p:nvSpPr>
+        <p:spPr>
+          <a:xfrm>
+            <a:off x="9517382" y="2885297"/>
+            <a:ext cx="1099457" cy="1099457"/>
+          </a:xfrm>
+          <a:prstGeom prst="rect">
+            <a:avLst/>
+          </a:prstGeom>
+          <a:noFill/>
+          <a:ln w="19050">
+            <a:solidFill>
+              <a:schemeClr val="tx1"/>
+            </a:solidFill>
+          </a:ln>
+        </p:spPr>
+        <p:style>
+          <a:lnRef idx="2">
+            <a:schemeClr val="accent1">
+              <a:shade val="50000"/>
+            </a:schemeClr>
+          </a:lnRef>
+          <a:fillRef idx="1">
+            <a:schemeClr val="accent1"/>
+          </a:fillRef>
+          <a:effectRef idx="0">
+            <a:schemeClr val="accent1"/>
+          </a:effectRef>
+          <a:fontRef idx="minor">
+            <a:schemeClr val="lt1"/>
+          </a:fontRef>
+        </p:style>
+        <p:txBody>
+          <a:bodyPr rtlCol="0" anchor="ctr"/>
+          <a:lstStyle/>
+          <a:p>
+            <a:pPr algn="ctr"/>
+            <a:endParaRPr lang="en-US"/>
+          </a:p>
+        </p:txBody>
+      </p:sp>
       <p:cxnSp>
         <p:nvCxnSpPr>
           <p:cNvPr id="24" name="Elbow Connector 23"/>
@@ -3424,7 +3210,7 @@
         </p:nvCxnSpPr>
         <p:spPr>
           <a:xfrm rot="10800000" flipV="1">
-            <a:off x="2174418" y="1289952"/>
+            <a:off x="2186775" y="1660653"/>
             <a:ext cx="1209220" cy="1224643"/>
           </a:xfrm>
           <a:prstGeom prst="bentConnector2">
@@ -3458,7 +3244,7 @@
         </p:nvCxnSpPr>
         <p:spPr>
           <a:xfrm>
-            <a:off x="4483095" y="1289953"/>
+            <a:off x="4495452" y="1660654"/>
             <a:ext cx="2955474" cy="1224643"/>
           </a:xfrm>
           <a:prstGeom prst="bentConnector2">
@@ -3489,7 +3275,7 @@
         </p:nvCxnSpPr>
         <p:spPr>
           <a:xfrm>
-            <a:off x="4483094" y="1459987"/>
+            <a:off x="4495451" y="1830688"/>
             <a:ext cx="1202873" cy="1042416"/>
           </a:xfrm>
           <a:prstGeom prst="bentConnector2">
@@ -3520,7 +3306,7 @@
         </p:nvCxnSpPr>
         <p:spPr>
           <a:xfrm>
-            <a:off x="4479447" y="1106419"/>
+            <a:off x="4491804" y="1477120"/>
             <a:ext cx="5571659" cy="1408176"/>
           </a:xfrm>
           <a:prstGeom prst="bentConnector2">
@@ -3551,7 +3337,7 @@
         </p:nvCxnSpPr>
         <p:spPr>
           <a:xfrm rot="10800000">
-            <a:off x="2174417" y="3614052"/>
+            <a:off x="2186774" y="3984753"/>
             <a:ext cx="1209220" cy="1224643"/>
           </a:xfrm>
           <a:prstGeom prst="bentConnector2">
@@ -3584,7 +3370,7 @@
         </p:nvCxnSpPr>
         <p:spPr>
           <a:xfrm flipV="1">
-            <a:off x="3377290" y="3614053"/>
+            <a:off x="3389647" y="3984754"/>
             <a:ext cx="4061279" cy="1224644"/>
           </a:xfrm>
           <a:prstGeom prst="bentConnector2">
@@ -3615,7 +3401,7 @@
         </p:nvCxnSpPr>
         <p:spPr>
           <a:xfrm rot="10800000">
-            <a:off x="2382553" y="3614050"/>
+            <a:off x="2394910" y="3984751"/>
             <a:ext cx="1207008" cy="1042416"/>
           </a:xfrm>
           <a:prstGeom prst="bentConnector2">
@@ -3648,7 +3434,7 @@
         </p:nvCxnSpPr>
         <p:spPr>
           <a:xfrm flipV="1">
-            <a:off x="3589561" y="3614053"/>
+            <a:off x="3601918" y="3984754"/>
             <a:ext cx="2096407" cy="1042413"/>
           </a:xfrm>
           <a:prstGeom prst="bentConnector2">
@@ -3679,7 +3465,7 @@
         </p:nvCxnSpPr>
         <p:spPr>
           <a:xfrm rot="10800000">
-            <a:off x="1957149" y="3614050"/>
+            <a:off x="1969506" y="3984751"/>
             <a:ext cx="1209220" cy="1408176"/>
           </a:xfrm>
           <a:prstGeom prst="bentConnector2">
@@ -3712,7 +3498,7 @@
         </p:nvCxnSpPr>
         <p:spPr>
           <a:xfrm flipV="1">
-            <a:off x="3166369" y="3614053"/>
+            <a:off x="3178726" y="3984754"/>
             <a:ext cx="6888385" cy="1408173"/>
           </a:xfrm>
           <a:prstGeom prst="bentConnector2">
@@ -3735,6 +3521,150 @@
           </a:fontRef>
         </p:style>
       </p:cxnSp>
+      <p:pic>
+        <p:nvPicPr>
+          <p:cNvPr id="29" name="Picture 28"/>
+          <p:cNvPicPr>
+            <a:picLocks noChangeAspect="1"/>
+          </p:cNvPicPr>
+          <p:nvPr/>
+        </p:nvPicPr>
+        <p:blipFill>
+          <a:blip r:embed="rId2"/>
+          <a:stretch>
+            <a:fillRect/>
+          </a:stretch>
+        </p:blipFill>
+        <p:spPr>
+          <a:xfrm>
+            <a:off x="3652678" y="1393959"/>
+            <a:ext cx="571500" cy="533400"/>
+          </a:xfrm>
+          <a:prstGeom prst="rect">
+            <a:avLst/>
+          </a:prstGeom>
+        </p:spPr>
+      </p:pic>
+      <p:pic>
+        <p:nvPicPr>
+          <p:cNvPr id="30" name="Picture 29"/>
+          <p:cNvPicPr>
+            <a:picLocks noChangeAspect="1"/>
+          </p:cNvPicPr>
+          <p:nvPr/>
+        </p:nvPicPr>
+        <p:blipFill>
+          <a:blip r:embed="rId3"/>
+          <a:stretch>
+            <a:fillRect/>
+          </a:stretch>
+        </p:blipFill>
+        <p:spPr>
+          <a:xfrm>
+            <a:off x="1888323" y="3136327"/>
+            <a:ext cx="596900" cy="609600"/>
+          </a:xfrm>
+          <a:prstGeom prst="rect">
+            <a:avLst/>
+          </a:prstGeom>
+        </p:spPr>
+      </p:pic>
+      <p:pic>
+        <p:nvPicPr>
+          <p:cNvPr id="2" name="Picture 1"/>
+          <p:cNvPicPr>
+            <a:picLocks noChangeAspect="1"/>
+          </p:cNvPicPr>
+          <p:nvPr/>
+        </p:nvPicPr>
+        <p:blipFill>
+          <a:blip r:embed="rId4"/>
+          <a:stretch>
+            <a:fillRect/>
+          </a:stretch>
+        </p:blipFill>
+        <p:spPr>
+          <a:xfrm>
+            <a:off x="5355424" y="3206425"/>
+            <a:ext cx="685800" cy="457200"/>
+          </a:xfrm>
+          <a:prstGeom prst="rect">
+            <a:avLst/>
+          </a:prstGeom>
+        </p:spPr>
+      </p:pic>
+      <p:pic>
+        <p:nvPicPr>
+          <p:cNvPr id="3" name="Picture 2"/>
+          <p:cNvPicPr>
+            <a:picLocks noChangeAspect="1"/>
+          </p:cNvPicPr>
+          <p:nvPr/>
+        </p:nvPicPr>
+        <p:blipFill>
+          <a:blip r:embed="rId5"/>
+          <a:stretch>
+            <a:fillRect/>
+          </a:stretch>
+        </p:blipFill>
+        <p:spPr>
+          <a:xfrm>
+            <a:off x="7096231" y="3200329"/>
+            <a:ext cx="698500" cy="457200"/>
+          </a:xfrm>
+          <a:prstGeom prst="rect">
+            <a:avLst/>
+          </a:prstGeom>
+        </p:spPr>
+      </p:pic>
+      <p:pic>
+        <p:nvPicPr>
+          <p:cNvPr id="5" name="Picture 4"/>
+          <p:cNvPicPr>
+            <a:picLocks noChangeAspect="1"/>
+          </p:cNvPicPr>
+          <p:nvPr/>
+        </p:nvPicPr>
+        <p:blipFill>
+          <a:blip r:embed="rId6"/>
+          <a:stretch>
+            <a:fillRect/>
+          </a:stretch>
+        </p:blipFill>
+        <p:spPr>
+          <a:xfrm>
+            <a:off x="9676113" y="3200329"/>
+            <a:ext cx="774700" cy="457200"/>
+          </a:xfrm>
+          <a:prstGeom prst="rect">
+            <a:avLst/>
+          </a:prstGeom>
+        </p:spPr>
+      </p:pic>
+      <p:pic>
+        <p:nvPicPr>
+          <p:cNvPr id="6" name="Picture 5"/>
+          <p:cNvPicPr>
+            <a:picLocks noChangeAspect="1"/>
+          </p:cNvPicPr>
+          <p:nvPr/>
+        </p:nvPicPr>
+        <p:blipFill>
+          <a:blip r:embed="rId7"/>
+          <a:stretch>
+            <a:fillRect/>
+          </a:stretch>
+        </p:blipFill>
+        <p:spPr>
+          <a:xfrm>
+            <a:off x="8371668" y="3390327"/>
+            <a:ext cx="774700" cy="101600"/>
+          </a:xfrm>
+          <a:prstGeom prst="rect">
+            <a:avLst/>
+          </a:prstGeom>
+        </p:spPr>
+      </p:pic>
     </p:spTree>
     <p:extLst>
       <p:ext uri="{BB962C8B-B14F-4D97-AF65-F5344CB8AC3E}">

--- a/ilcinocaml/docs/paper/figures/real-setup.pptx
+++ b/ilcinocaml/docs/paper/figures/real-setup.pptx
@@ -243,7 +243,7 @@
           <a:p>
             <a:fld id="{98A996D5-9536-4841-A147-9AD88C6446A0}" type="datetimeFigureOut">
               <a:rPr lang="en-US" smtClean="0"/>
-              <a:t>3/26/18</a:t>
+              <a:t>4/7/18</a:t>
             </a:fld>
             <a:endParaRPr lang="en-US"/>
           </a:p>
@@ -413,7 +413,7 @@
           <a:p>
             <a:fld id="{98A996D5-9536-4841-A147-9AD88C6446A0}" type="datetimeFigureOut">
               <a:rPr lang="en-US" smtClean="0"/>
-              <a:t>3/26/18</a:t>
+              <a:t>4/7/18</a:t>
             </a:fld>
             <a:endParaRPr lang="en-US"/>
           </a:p>
@@ -593,7 +593,7 @@
           <a:p>
             <a:fld id="{98A996D5-9536-4841-A147-9AD88C6446A0}" type="datetimeFigureOut">
               <a:rPr lang="en-US" smtClean="0"/>
-              <a:t>3/26/18</a:t>
+              <a:t>4/7/18</a:t>
             </a:fld>
             <a:endParaRPr lang="en-US"/>
           </a:p>
@@ -763,7 +763,7 @@
           <a:p>
             <a:fld id="{98A996D5-9536-4841-A147-9AD88C6446A0}" type="datetimeFigureOut">
               <a:rPr lang="en-US" smtClean="0"/>
-              <a:t>3/26/18</a:t>
+              <a:t>4/7/18</a:t>
             </a:fld>
             <a:endParaRPr lang="en-US"/>
           </a:p>
@@ -1009,7 +1009,7 @@
           <a:p>
             <a:fld id="{98A996D5-9536-4841-A147-9AD88C6446A0}" type="datetimeFigureOut">
               <a:rPr lang="en-US" smtClean="0"/>
-              <a:t>3/26/18</a:t>
+              <a:t>4/7/18</a:t>
             </a:fld>
             <a:endParaRPr lang="en-US"/>
           </a:p>
@@ -1241,7 +1241,7 @@
           <a:p>
             <a:fld id="{98A996D5-9536-4841-A147-9AD88C6446A0}" type="datetimeFigureOut">
               <a:rPr lang="en-US" smtClean="0"/>
-              <a:t>3/26/18</a:t>
+              <a:t>4/7/18</a:t>
             </a:fld>
             <a:endParaRPr lang="en-US"/>
           </a:p>
@@ -1608,7 +1608,7 @@
           <a:p>
             <a:fld id="{98A996D5-9536-4841-A147-9AD88C6446A0}" type="datetimeFigureOut">
               <a:rPr lang="en-US" smtClean="0"/>
-              <a:t>3/26/18</a:t>
+              <a:t>4/7/18</a:t>
             </a:fld>
             <a:endParaRPr lang="en-US"/>
           </a:p>
@@ -1726,7 +1726,7 @@
           <a:p>
             <a:fld id="{98A996D5-9536-4841-A147-9AD88C6446A0}" type="datetimeFigureOut">
               <a:rPr lang="en-US" smtClean="0"/>
-              <a:t>3/26/18</a:t>
+              <a:t>4/7/18</a:t>
             </a:fld>
             <a:endParaRPr lang="en-US"/>
           </a:p>
@@ -1821,7 +1821,7 @@
           <a:p>
             <a:fld id="{98A996D5-9536-4841-A147-9AD88C6446A0}" type="datetimeFigureOut">
               <a:rPr lang="en-US" smtClean="0"/>
-              <a:t>3/26/18</a:t>
+              <a:t>4/7/18</a:t>
             </a:fld>
             <a:endParaRPr lang="en-US"/>
           </a:p>
@@ -2098,7 +2098,7 @@
           <a:p>
             <a:fld id="{98A996D5-9536-4841-A147-9AD88C6446A0}" type="datetimeFigureOut">
               <a:rPr lang="en-US" smtClean="0"/>
-              <a:t>3/26/18</a:t>
+              <a:t>4/7/18</a:t>
             </a:fld>
             <a:endParaRPr lang="en-US"/>
           </a:p>
@@ -2351,7 +2351,7 @@
           <a:p>
             <a:fld id="{98A996D5-9536-4841-A147-9AD88C6446A0}" type="datetimeFigureOut">
               <a:rPr lang="en-US" smtClean="0"/>
-              <a:t>3/26/18</a:t>
+              <a:t>4/7/18</a:t>
             </a:fld>
             <a:endParaRPr lang="en-US"/>
           </a:p>
@@ -2564,7 +2564,7 @@
           <a:p>
             <a:fld id="{98A996D5-9536-4841-A147-9AD88C6446A0}" type="datetimeFigureOut">
               <a:rPr lang="en-US" smtClean="0"/>
-              <a:t>3/26/18</a:t>
+              <a:t>4/7/18</a:t>
             </a:fld>
             <a:endParaRPr lang="en-US"/>
           </a:p>
@@ -3199,328 +3199,6 @@
           </a:p>
         </p:txBody>
       </p:sp>
-      <p:cxnSp>
-        <p:nvCxnSpPr>
-          <p:cNvPr id="24" name="Elbow Connector 23"/>
-          <p:cNvCxnSpPr>
-            <a:stCxn id="4" idx="1"/>
-            <a:endCxn id="8" idx="0"/>
-          </p:cNvCxnSpPr>
-          <p:nvPr/>
-        </p:nvCxnSpPr>
-        <p:spPr>
-          <a:xfrm rot="10800000" flipV="1">
-            <a:off x="2186775" y="1660653"/>
-            <a:ext cx="1209220" cy="1224643"/>
-          </a:xfrm>
-          <a:prstGeom prst="bentConnector2">
-            <a:avLst/>
-          </a:prstGeom>
-          <a:ln w="19050"/>
-        </p:spPr>
-        <p:style>
-          <a:lnRef idx="1">
-            <a:schemeClr val="dk1"/>
-          </a:lnRef>
-          <a:fillRef idx="0">
-            <a:schemeClr val="dk1"/>
-          </a:fillRef>
-          <a:effectRef idx="0">
-            <a:schemeClr val="dk1"/>
-          </a:effectRef>
-          <a:fontRef idx="minor">
-            <a:schemeClr val="tx1"/>
-          </a:fontRef>
-        </p:style>
-      </p:cxnSp>
-      <p:cxnSp>
-        <p:nvCxnSpPr>
-          <p:cNvPr id="26" name="Elbow Connector 25"/>
-          <p:cNvCxnSpPr>
-            <a:stCxn id="4" idx="3"/>
-            <a:endCxn id="12" idx="0"/>
-          </p:cNvCxnSpPr>
-          <p:nvPr/>
-        </p:nvCxnSpPr>
-        <p:spPr>
-          <a:xfrm>
-            <a:off x="4495452" y="1660654"/>
-            <a:ext cx="2955474" cy="1224643"/>
-          </a:xfrm>
-          <a:prstGeom prst="bentConnector2">
-            <a:avLst/>
-          </a:prstGeom>
-          <a:ln w="19050"/>
-        </p:spPr>
-        <p:style>
-          <a:lnRef idx="1">
-            <a:schemeClr val="dk1"/>
-          </a:lnRef>
-          <a:fillRef idx="0">
-            <a:schemeClr val="dk1"/>
-          </a:fillRef>
-          <a:effectRef idx="0">
-            <a:schemeClr val="dk1"/>
-          </a:effectRef>
-          <a:fontRef idx="minor">
-            <a:schemeClr val="tx1"/>
-          </a:fontRef>
-        </p:style>
-      </p:cxnSp>
-      <p:cxnSp>
-        <p:nvCxnSpPr>
-          <p:cNvPr id="31" name="Elbow Connector 30"/>
-          <p:cNvCxnSpPr/>
-          <p:nvPr/>
-        </p:nvCxnSpPr>
-        <p:spPr>
-          <a:xfrm>
-            <a:off x="4495451" y="1830688"/>
-            <a:ext cx="1202873" cy="1042416"/>
-          </a:xfrm>
-          <a:prstGeom prst="bentConnector2">
-            <a:avLst/>
-          </a:prstGeom>
-          <a:ln w="19050"/>
-        </p:spPr>
-        <p:style>
-          <a:lnRef idx="1">
-            <a:schemeClr val="dk1"/>
-          </a:lnRef>
-          <a:fillRef idx="0">
-            <a:schemeClr val="dk1"/>
-          </a:fillRef>
-          <a:effectRef idx="0">
-            <a:schemeClr val="dk1"/>
-          </a:effectRef>
-          <a:fontRef idx="minor">
-            <a:schemeClr val="tx1"/>
-          </a:fontRef>
-        </p:style>
-      </p:cxnSp>
-      <p:cxnSp>
-        <p:nvCxnSpPr>
-          <p:cNvPr id="34" name="Elbow Connector 33"/>
-          <p:cNvCxnSpPr/>
-          <p:nvPr/>
-        </p:nvCxnSpPr>
-        <p:spPr>
-          <a:xfrm>
-            <a:off x="4491804" y="1477120"/>
-            <a:ext cx="5571659" cy="1408176"/>
-          </a:xfrm>
-          <a:prstGeom prst="bentConnector2">
-            <a:avLst/>
-          </a:prstGeom>
-          <a:ln w="19050"/>
-        </p:spPr>
-        <p:style>
-          <a:lnRef idx="1">
-            <a:schemeClr val="dk1"/>
-          </a:lnRef>
-          <a:fillRef idx="0">
-            <a:schemeClr val="dk1"/>
-          </a:fillRef>
-          <a:effectRef idx="0">
-            <a:schemeClr val="dk1"/>
-          </a:effectRef>
-          <a:fontRef idx="minor">
-            <a:schemeClr val="tx1"/>
-          </a:fontRef>
-        </p:style>
-      </p:cxnSp>
-      <p:cxnSp>
-        <p:nvCxnSpPr>
-          <p:cNvPr id="37" name="Elbow Connector 36"/>
-          <p:cNvCxnSpPr/>
-          <p:nvPr/>
-        </p:nvCxnSpPr>
-        <p:spPr>
-          <a:xfrm rot="10800000">
-            <a:off x="2186774" y="3984753"/>
-            <a:ext cx="1209220" cy="1224643"/>
-          </a:xfrm>
-          <a:prstGeom prst="bentConnector2">
-            <a:avLst/>
-          </a:prstGeom>
-          <a:ln w="19050"/>
-        </p:spPr>
-        <p:style>
-          <a:lnRef idx="1">
-            <a:schemeClr val="dk1"/>
-          </a:lnRef>
-          <a:fillRef idx="0">
-            <a:schemeClr val="dk1"/>
-          </a:fillRef>
-          <a:effectRef idx="0">
-            <a:schemeClr val="dk1"/>
-          </a:effectRef>
-          <a:fontRef idx="minor">
-            <a:schemeClr val="tx1"/>
-          </a:fontRef>
-        </p:style>
-      </p:cxnSp>
-      <p:cxnSp>
-        <p:nvCxnSpPr>
-          <p:cNvPr id="40" name="Elbow Connector 39"/>
-          <p:cNvCxnSpPr>
-            <a:endCxn id="12" idx="2"/>
-          </p:cNvCxnSpPr>
-          <p:nvPr/>
-        </p:nvCxnSpPr>
-        <p:spPr>
-          <a:xfrm flipV="1">
-            <a:off x="3389647" y="3984754"/>
-            <a:ext cx="4061279" cy="1224644"/>
-          </a:xfrm>
-          <a:prstGeom prst="bentConnector2">
-            <a:avLst/>
-          </a:prstGeom>
-          <a:ln w="19050"/>
-        </p:spPr>
-        <p:style>
-          <a:lnRef idx="1">
-            <a:schemeClr val="dk1"/>
-          </a:lnRef>
-          <a:fillRef idx="0">
-            <a:schemeClr val="dk1"/>
-          </a:fillRef>
-          <a:effectRef idx="0">
-            <a:schemeClr val="dk1"/>
-          </a:effectRef>
-          <a:fontRef idx="minor">
-            <a:schemeClr val="tx1"/>
-          </a:fontRef>
-        </p:style>
-      </p:cxnSp>
-      <p:cxnSp>
-        <p:nvCxnSpPr>
-          <p:cNvPr id="41" name="Elbow Connector 40"/>
-          <p:cNvCxnSpPr/>
-          <p:nvPr/>
-        </p:nvCxnSpPr>
-        <p:spPr>
-          <a:xfrm rot="10800000">
-            <a:off x="2394910" y="3984751"/>
-            <a:ext cx="1207008" cy="1042416"/>
-          </a:xfrm>
-          <a:prstGeom prst="bentConnector2">
-            <a:avLst/>
-          </a:prstGeom>
-          <a:ln w="19050"/>
-        </p:spPr>
-        <p:style>
-          <a:lnRef idx="1">
-            <a:schemeClr val="dk1"/>
-          </a:lnRef>
-          <a:fillRef idx="0">
-            <a:schemeClr val="dk1"/>
-          </a:fillRef>
-          <a:effectRef idx="0">
-            <a:schemeClr val="dk1"/>
-          </a:effectRef>
-          <a:fontRef idx="minor">
-            <a:schemeClr val="tx1"/>
-          </a:fontRef>
-        </p:style>
-      </p:cxnSp>
-      <p:cxnSp>
-        <p:nvCxnSpPr>
-          <p:cNvPr id="43" name="Elbow Connector 42"/>
-          <p:cNvCxnSpPr>
-            <a:endCxn id="10" idx="2"/>
-          </p:cNvCxnSpPr>
-          <p:nvPr/>
-        </p:nvCxnSpPr>
-        <p:spPr>
-          <a:xfrm flipV="1">
-            <a:off x="3601918" y="3984754"/>
-            <a:ext cx="2096407" cy="1042413"/>
-          </a:xfrm>
-          <a:prstGeom prst="bentConnector2">
-            <a:avLst/>
-          </a:prstGeom>
-          <a:ln w="19050"/>
-        </p:spPr>
-        <p:style>
-          <a:lnRef idx="1">
-            <a:schemeClr val="dk1"/>
-          </a:lnRef>
-          <a:fillRef idx="0">
-            <a:schemeClr val="dk1"/>
-          </a:fillRef>
-          <a:effectRef idx="0">
-            <a:schemeClr val="dk1"/>
-          </a:effectRef>
-          <a:fontRef idx="minor">
-            <a:schemeClr val="tx1"/>
-          </a:fontRef>
-        </p:style>
-      </p:cxnSp>
-      <p:cxnSp>
-        <p:nvCxnSpPr>
-          <p:cNvPr id="44" name="Elbow Connector 43"/>
-          <p:cNvCxnSpPr/>
-          <p:nvPr/>
-        </p:nvCxnSpPr>
-        <p:spPr>
-          <a:xfrm rot="10800000">
-            <a:off x="1969506" y="3984751"/>
-            <a:ext cx="1209220" cy="1408176"/>
-          </a:xfrm>
-          <a:prstGeom prst="bentConnector2">
-            <a:avLst/>
-          </a:prstGeom>
-          <a:ln w="19050"/>
-        </p:spPr>
-        <p:style>
-          <a:lnRef idx="1">
-            <a:schemeClr val="dk1"/>
-          </a:lnRef>
-          <a:fillRef idx="0">
-            <a:schemeClr val="dk1"/>
-          </a:fillRef>
-          <a:effectRef idx="0">
-            <a:schemeClr val="dk1"/>
-          </a:effectRef>
-          <a:fontRef idx="minor">
-            <a:schemeClr val="tx1"/>
-          </a:fontRef>
-        </p:style>
-      </p:cxnSp>
-      <p:cxnSp>
-        <p:nvCxnSpPr>
-          <p:cNvPr id="46" name="Elbow Connector 45"/>
-          <p:cNvCxnSpPr>
-            <a:endCxn id="14" idx="2"/>
-          </p:cNvCxnSpPr>
-          <p:nvPr/>
-        </p:nvCxnSpPr>
-        <p:spPr>
-          <a:xfrm flipV="1">
-            <a:off x="3178726" y="3984754"/>
-            <a:ext cx="6888385" cy="1408173"/>
-          </a:xfrm>
-          <a:prstGeom prst="bentConnector2">
-            <a:avLst/>
-          </a:prstGeom>
-          <a:ln w="19050"/>
-        </p:spPr>
-        <p:style>
-          <a:lnRef idx="1">
-            <a:schemeClr val="dk1"/>
-          </a:lnRef>
-          <a:fillRef idx="0">
-            <a:schemeClr val="dk1"/>
-          </a:fillRef>
-          <a:effectRef idx="0">
-            <a:schemeClr val="dk1"/>
-          </a:effectRef>
-          <a:fontRef idx="minor">
-            <a:schemeClr val="tx1"/>
-          </a:fontRef>
-        </p:style>
-      </p:cxnSp>
       <p:pic>
         <p:nvPicPr>
           <p:cNvPr id="29" name="Picture 28"/>
@@ -3665,6 +3343,496 @@
           </a:prstGeom>
         </p:spPr>
       </p:pic>
+      <p:sp>
+        <p:nvSpPr>
+          <p:cNvPr id="28" name="Bent Arrow 27"/>
+          <p:cNvSpPr/>
+          <p:nvPr/>
+        </p:nvSpPr>
+        <p:spPr>
+          <a:xfrm>
+            <a:off x="2186772" y="1654848"/>
+            <a:ext cx="1194631" cy="1210171"/>
+          </a:xfrm>
+          <a:prstGeom prst="bentArrow">
+            <a:avLst>
+              <a:gd name="adj1" fmla="val 522"/>
+              <a:gd name="adj2" fmla="val 261"/>
+              <a:gd name="adj3" fmla="val 0"/>
+              <a:gd name="adj4" fmla="val 43750"/>
+            </a:avLst>
+          </a:prstGeom>
+        </p:spPr>
+        <p:style>
+          <a:lnRef idx="2">
+            <a:schemeClr val="dk1">
+              <a:shade val="50000"/>
+            </a:schemeClr>
+          </a:lnRef>
+          <a:fillRef idx="1">
+            <a:schemeClr val="dk1"/>
+          </a:fillRef>
+          <a:effectRef idx="0">
+            <a:schemeClr val="dk1"/>
+          </a:effectRef>
+          <a:fontRef idx="minor">
+            <a:schemeClr val="lt1"/>
+          </a:fontRef>
+        </p:style>
+        <p:txBody>
+          <a:bodyPr rtlCol="0" anchor="ctr"/>
+          <a:lstStyle/>
+          <a:p>
+            <a:pPr algn="ctr"/>
+            <a:endParaRPr lang="en-US">
+              <a:solidFill>
+                <a:schemeClr val="tx1"/>
+              </a:solidFill>
+            </a:endParaRPr>
+          </a:p>
+        </p:txBody>
+      </p:sp>
+      <p:sp>
+        <p:nvSpPr>
+          <p:cNvPr id="9" name="Bent Arrow 8"/>
+          <p:cNvSpPr/>
+          <p:nvPr/>
+        </p:nvSpPr>
+        <p:spPr>
+          <a:xfrm rot="5400000">
+            <a:off x="6572804" y="-605360"/>
+            <a:ext cx="1409654" cy="5571663"/>
+          </a:xfrm>
+          <a:prstGeom prst="bentArrow">
+            <a:avLst>
+              <a:gd name="adj1" fmla="val 588"/>
+              <a:gd name="adj2" fmla="val 163"/>
+              <a:gd name="adj3" fmla="val 0"/>
+              <a:gd name="adj4" fmla="val 43750"/>
+            </a:avLst>
+          </a:prstGeom>
+        </p:spPr>
+        <p:style>
+          <a:lnRef idx="2">
+            <a:schemeClr val="dk1">
+              <a:shade val="50000"/>
+            </a:schemeClr>
+          </a:lnRef>
+          <a:fillRef idx="1">
+            <a:schemeClr val="dk1"/>
+          </a:fillRef>
+          <a:effectRef idx="0">
+            <a:schemeClr val="dk1"/>
+          </a:effectRef>
+          <a:fontRef idx="minor">
+            <a:schemeClr val="lt1"/>
+          </a:fontRef>
+        </p:style>
+        <p:txBody>
+          <a:bodyPr rtlCol="0" anchor="ctr"/>
+          <a:lstStyle/>
+          <a:p>
+            <a:pPr algn="ctr"/>
+            <a:endParaRPr lang="en-US">
+              <a:solidFill>
+                <a:schemeClr val="tx1"/>
+              </a:solidFill>
+            </a:endParaRPr>
+          </a:p>
+        </p:txBody>
+      </p:sp>
+      <p:sp>
+        <p:nvSpPr>
+          <p:cNvPr id="36" name="Bent Arrow 35"/>
+          <p:cNvSpPr/>
+          <p:nvPr/>
+        </p:nvSpPr>
+        <p:spPr>
+          <a:xfrm rot="5400000">
+            <a:off x="5355251" y="795073"/>
+            <a:ext cx="1226773" cy="2953679"/>
+          </a:xfrm>
+          <a:prstGeom prst="bentArrow">
+            <a:avLst>
+              <a:gd name="adj1" fmla="val 588"/>
+              <a:gd name="adj2" fmla="val 163"/>
+              <a:gd name="adj3" fmla="val 0"/>
+              <a:gd name="adj4" fmla="val 43750"/>
+            </a:avLst>
+          </a:prstGeom>
+        </p:spPr>
+        <p:style>
+          <a:lnRef idx="2">
+            <a:schemeClr val="dk1">
+              <a:shade val="50000"/>
+            </a:schemeClr>
+          </a:lnRef>
+          <a:fillRef idx="1">
+            <a:schemeClr val="dk1"/>
+          </a:fillRef>
+          <a:effectRef idx="0">
+            <a:schemeClr val="dk1"/>
+          </a:effectRef>
+          <a:fontRef idx="minor">
+            <a:schemeClr val="lt1"/>
+          </a:fontRef>
+        </p:style>
+        <p:txBody>
+          <a:bodyPr rtlCol="0" anchor="ctr"/>
+          <a:lstStyle/>
+          <a:p>
+            <a:pPr algn="ctr"/>
+            <a:endParaRPr lang="en-US">
+              <a:solidFill>
+                <a:schemeClr val="tx1"/>
+              </a:solidFill>
+            </a:endParaRPr>
+          </a:p>
+        </p:txBody>
+      </p:sp>
+      <p:sp>
+        <p:nvSpPr>
+          <p:cNvPr id="38" name="Bent Arrow 37"/>
+          <p:cNvSpPr/>
+          <p:nvPr/>
+        </p:nvSpPr>
+        <p:spPr>
+          <a:xfrm rot="5400000">
+            <a:off x="4562975" y="1749952"/>
+            <a:ext cx="1064169" cy="1206524"/>
+          </a:xfrm>
+          <a:prstGeom prst="bentArrow">
+            <a:avLst>
+              <a:gd name="adj1" fmla="val 588"/>
+              <a:gd name="adj2" fmla="val 163"/>
+              <a:gd name="adj3" fmla="val 0"/>
+              <a:gd name="adj4" fmla="val 43750"/>
+            </a:avLst>
+          </a:prstGeom>
+        </p:spPr>
+        <p:style>
+          <a:lnRef idx="2">
+            <a:schemeClr val="dk1">
+              <a:shade val="50000"/>
+            </a:schemeClr>
+          </a:lnRef>
+          <a:fillRef idx="1">
+            <a:schemeClr val="dk1"/>
+          </a:fillRef>
+          <a:effectRef idx="0">
+            <a:schemeClr val="dk1"/>
+          </a:effectRef>
+          <a:fontRef idx="minor">
+            <a:schemeClr val="lt1"/>
+          </a:fontRef>
+        </p:style>
+        <p:txBody>
+          <a:bodyPr rtlCol="0" anchor="ctr"/>
+          <a:lstStyle/>
+          <a:p>
+            <a:pPr algn="ctr"/>
+            <a:endParaRPr lang="en-US">
+              <a:solidFill>
+                <a:schemeClr val="tx1"/>
+              </a:solidFill>
+            </a:endParaRPr>
+          </a:p>
+        </p:txBody>
+      </p:sp>
+      <p:sp>
+        <p:nvSpPr>
+          <p:cNvPr id="39" name="Bent Arrow 38"/>
+          <p:cNvSpPr/>
+          <p:nvPr/>
+        </p:nvSpPr>
+        <p:spPr>
+          <a:xfrm rot="16200000">
+            <a:off x="2473804" y="3902697"/>
+            <a:ext cx="1042413" cy="1206524"/>
+          </a:xfrm>
+          <a:prstGeom prst="bentArrow">
+            <a:avLst>
+              <a:gd name="adj1" fmla="val 588"/>
+              <a:gd name="adj2" fmla="val 163"/>
+              <a:gd name="adj3" fmla="val 0"/>
+              <a:gd name="adj4" fmla="val 43750"/>
+            </a:avLst>
+          </a:prstGeom>
+        </p:spPr>
+        <p:style>
+          <a:lnRef idx="2">
+            <a:schemeClr val="dk1">
+              <a:shade val="50000"/>
+            </a:schemeClr>
+          </a:lnRef>
+          <a:fillRef idx="1">
+            <a:schemeClr val="dk1"/>
+          </a:fillRef>
+          <a:effectRef idx="0">
+            <a:schemeClr val="dk1"/>
+          </a:effectRef>
+          <a:fontRef idx="minor">
+            <a:schemeClr val="lt1"/>
+          </a:fontRef>
+        </p:style>
+        <p:txBody>
+          <a:bodyPr rtlCol="0" anchor="ctr"/>
+          <a:lstStyle/>
+          <a:p>
+            <a:pPr algn="ctr"/>
+            <a:endParaRPr lang="en-US">
+              <a:solidFill>
+                <a:schemeClr val="tx1"/>
+              </a:solidFill>
+            </a:endParaRPr>
+          </a:p>
+        </p:txBody>
+      </p:sp>
+      <p:sp>
+        <p:nvSpPr>
+          <p:cNvPr id="42" name="Bent Arrow 41"/>
+          <p:cNvSpPr/>
+          <p:nvPr/>
+        </p:nvSpPr>
+        <p:spPr>
+          <a:xfrm rot="16200000">
+            <a:off x="2167401" y="3992233"/>
+            <a:ext cx="1221482" cy="1206524"/>
+          </a:xfrm>
+          <a:prstGeom prst="bentArrow">
+            <a:avLst>
+              <a:gd name="adj1" fmla="val 588"/>
+              <a:gd name="adj2" fmla="val 163"/>
+              <a:gd name="adj3" fmla="val 0"/>
+              <a:gd name="adj4" fmla="val 43750"/>
+            </a:avLst>
+          </a:prstGeom>
+        </p:spPr>
+        <p:style>
+          <a:lnRef idx="2">
+            <a:schemeClr val="dk1">
+              <a:shade val="50000"/>
+            </a:schemeClr>
+          </a:lnRef>
+          <a:fillRef idx="1">
+            <a:schemeClr val="dk1"/>
+          </a:fillRef>
+          <a:effectRef idx="0">
+            <a:schemeClr val="dk1"/>
+          </a:effectRef>
+          <a:fontRef idx="minor">
+            <a:schemeClr val="lt1"/>
+          </a:fontRef>
+        </p:style>
+        <p:txBody>
+          <a:bodyPr rtlCol="0" anchor="ctr"/>
+          <a:lstStyle/>
+          <a:p>
+            <a:pPr algn="ctr"/>
+            <a:endParaRPr lang="en-US">
+              <a:solidFill>
+                <a:schemeClr val="tx1"/>
+              </a:solidFill>
+            </a:endParaRPr>
+          </a:p>
+        </p:txBody>
+      </p:sp>
+      <p:sp>
+        <p:nvSpPr>
+          <p:cNvPr id="45" name="Bent Arrow 44"/>
+          <p:cNvSpPr/>
+          <p:nvPr/>
+        </p:nvSpPr>
+        <p:spPr>
+          <a:xfrm rot="16200000">
+            <a:off x="1866443" y="4085578"/>
+            <a:ext cx="1408175" cy="1206524"/>
+          </a:xfrm>
+          <a:prstGeom prst="bentArrow">
+            <a:avLst>
+              <a:gd name="adj1" fmla="val 588"/>
+              <a:gd name="adj2" fmla="val 163"/>
+              <a:gd name="adj3" fmla="val 0"/>
+              <a:gd name="adj4" fmla="val 43750"/>
+            </a:avLst>
+          </a:prstGeom>
+        </p:spPr>
+        <p:style>
+          <a:lnRef idx="2">
+            <a:schemeClr val="dk1">
+              <a:shade val="50000"/>
+            </a:schemeClr>
+          </a:lnRef>
+          <a:fillRef idx="1">
+            <a:schemeClr val="dk1"/>
+          </a:fillRef>
+          <a:effectRef idx="0">
+            <a:schemeClr val="dk1"/>
+          </a:effectRef>
+          <a:fontRef idx="minor">
+            <a:schemeClr val="lt1"/>
+          </a:fontRef>
+        </p:style>
+        <p:txBody>
+          <a:bodyPr rtlCol="0" anchor="ctr"/>
+          <a:lstStyle/>
+          <a:p>
+            <a:pPr algn="ctr"/>
+            <a:endParaRPr lang="en-US">
+              <a:solidFill>
+                <a:schemeClr val="tx1"/>
+              </a:solidFill>
+            </a:endParaRPr>
+          </a:p>
+        </p:txBody>
+      </p:sp>
+      <p:sp>
+        <p:nvSpPr>
+          <p:cNvPr id="47" name="Bent Arrow 46"/>
+          <p:cNvSpPr/>
+          <p:nvPr/>
+        </p:nvSpPr>
+        <p:spPr>
+          <a:xfrm rot="10800000">
+            <a:off x="3589016" y="3984749"/>
+            <a:ext cx="2117549" cy="1042415"/>
+          </a:xfrm>
+          <a:prstGeom prst="bentArrow">
+            <a:avLst>
+              <a:gd name="adj1" fmla="val 588"/>
+              <a:gd name="adj2" fmla="val 163"/>
+              <a:gd name="adj3" fmla="val 0"/>
+              <a:gd name="adj4" fmla="val 43750"/>
+            </a:avLst>
+          </a:prstGeom>
+        </p:spPr>
+        <p:style>
+          <a:lnRef idx="2">
+            <a:schemeClr val="dk1">
+              <a:shade val="50000"/>
+            </a:schemeClr>
+          </a:lnRef>
+          <a:fillRef idx="1">
+            <a:schemeClr val="dk1"/>
+          </a:fillRef>
+          <a:effectRef idx="0">
+            <a:schemeClr val="dk1"/>
+          </a:effectRef>
+          <a:fontRef idx="minor">
+            <a:schemeClr val="lt1"/>
+          </a:fontRef>
+        </p:style>
+        <p:txBody>
+          <a:bodyPr rtlCol="0" anchor="ctr"/>
+          <a:lstStyle/>
+          <a:p>
+            <a:pPr algn="ctr"/>
+            <a:endParaRPr lang="en-US">
+              <a:solidFill>
+                <a:schemeClr val="tx1"/>
+              </a:solidFill>
+            </a:endParaRPr>
+          </a:p>
+        </p:txBody>
+      </p:sp>
+      <p:sp>
+        <p:nvSpPr>
+          <p:cNvPr id="48" name="Bent Arrow 47"/>
+          <p:cNvSpPr/>
+          <p:nvPr/>
+        </p:nvSpPr>
+        <p:spPr>
+          <a:xfrm rot="10800000">
+            <a:off x="3302000" y="3988540"/>
+            <a:ext cx="4153858" cy="1218040"/>
+          </a:xfrm>
+          <a:prstGeom prst="bentArrow">
+            <a:avLst>
+              <a:gd name="adj1" fmla="val 588"/>
+              <a:gd name="adj2" fmla="val 163"/>
+              <a:gd name="adj3" fmla="val 0"/>
+              <a:gd name="adj4" fmla="val 43750"/>
+            </a:avLst>
+          </a:prstGeom>
+        </p:spPr>
+        <p:style>
+          <a:lnRef idx="2">
+            <a:schemeClr val="dk1">
+              <a:shade val="50000"/>
+            </a:schemeClr>
+          </a:lnRef>
+          <a:fillRef idx="1">
+            <a:schemeClr val="dk1"/>
+          </a:fillRef>
+          <a:effectRef idx="0">
+            <a:schemeClr val="dk1"/>
+          </a:effectRef>
+          <a:fontRef idx="minor">
+            <a:schemeClr val="lt1"/>
+          </a:fontRef>
+        </p:style>
+        <p:txBody>
+          <a:bodyPr rtlCol="0" anchor="ctr"/>
+          <a:lstStyle/>
+          <a:p>
+            <a:pPr algn="ctr"/>
+            <a:endParaRPr lang="en-US">
+              <a:solidFill>
+                <a:schemeClr val="tx1"/>
+              </a:solidFill>
+            </a:endParaRPr>
+          </a:p>
+        </p:txBody>
+      </p:sp>
+      <p:sp>
+        <p:nvSpPr>
+          <p:cNvPr id="49" name="Bent Arrow 48"/>
+          <p:cNvSpPr/>
+          <p:nvPr/>
+        </p:nvSpPr>
+        <p:spPr>
+          <a:xfrm rot="10800000">
+            <a:off x="2736503" y="4005028"/>
+            <a:ext cx="7341080" cy="1387900"/>
+          </a:xfrm>
+          <a:prstGeom prst="bentArrow">
+            <a:avLst>
+              <a:gd name="adj1" fmla="val 588"/>
+              <a:gd name="adj2" fmla="val 163"/>
+              <a:gd name="adj3" fmla="val 0"/>
+              <a:gd name="adj4" fmla="val 43750"/>
+            </a:avLst>
+          </a:prstGeom>
+        </p:spPr>
+        <p:style>
+          <a:lnRef idx="2">
+            <a:schemeClr val="dk1">
+              <a:shade val="50000"/>
+            </a:schemeClr>
+          </a:lnRef>
+          <a:fillRef idx="1">
+            <a:schemeClr val="dk1"/>
+          </a:fillRef>
+          <a:effectRef idx="0">
+            <a:schemeClr val="dk1"/>
+          </a:effectRef>
+          <a:fontRef idx="minor">
+            <a:schemeClr val="lt1"/>
+          </a:fontRef>
+        </p:style>
+        <p:txBody>
+          <a:bodyPr rtlCol="0" anchor="ctr"/>
+          <a:lstStyle/>
+          <a:p>
+            <a:pPr algn="ctr"/>
+            <a:endParaRPr lang="en-US">
+              <a:solidFill>
+                <a:schemeClr val="tx1"/>
+              </a:solidFill>
+            </a:endParaRPr>
+          </a:p>
+        </p:txBody>
+      </p:sp>
     </p:spTree>
     <p:extLst>
       <p:ext uri="{BB962C8B-B14F-4D97-AF65-F5344CB8AC3E}">
